--- a/presentations/NCI_talks/2024_12_6.pptx
+++ b/presentations/NCI_talks/2024_12_6.pptx
@@ -5,18 +5,19 @@
     <p:sldMasterId id="2147483648" r:id="rId1"/>
   </p:sldMasterIdLst>
   <p:notesMasterIdLst>
-    <p:notesMasterId r:id="rId11"/>
+    <p:notesMasterId r:id="rId12"/>
   </p:notesMasterIdLst>
   <p:sldIdLst>
     <p:sldId id="256" r:id="rId2"/>
     <p:sldId id="580" r:id="rId3"/>
-    <p:sldId id="587" r:id="rId4"/>
+    <p:sldId id="591" r:id="rId4"/>
     <p:sldId id="588" r:id="rId5"/>
     <p:sldId id="589" r:id="rId6"/>
     <p:sldId id="590" r:id="rId7"/>
     <p:sldId id="585" r:id="rId8"/>
     <p:sldId id="529" r:id="rId9"/>
     <p:sldId id="576" r:id="rId10"/>
+    <p:sldId id="587" r:id="rId11"/>
   </p:sldIdLst>
   <p:sldSz cx="12192000" cy="6858000"/>
   <p:notesSz cx="6858000" cy="9144000"/>
@@ -567,6 +568,120 @@
 </p:notes>
 </file>
 
+<file path=ppt/notesSlides/notesSlide10.xml><?xml version="1.0" encoding="utf-8"?>
+<p:notes xmlns:a="http://schemas.openxmlformats.org/drawingml/2006/main" xmlns:r="http://schemas.openxmlformats.org/officeDocument/2006/relationships" xmlns:p="http://schemas.openxmlformats.org/presentationml/2006/main">
+  <p:cSld>
+    <p:spTree>
+      <p:nvGrpSpPr>
+        <p:cNvPr id="1" name="">
+          <a:extLst>
+            <a:ext uri="{FF2B5EF4-FFF2-40B4-BE49-F238E27FC236}">
+              <a16:creationId xmlns:a16="http://schemas.microsoft.com/office/drawing/2014/main" id="{803D7D7C-E88A-0935-76D3-738D7873E59A}"/>
+            </a:ext>
+          </a:extLst>
+        </p:cNvPr>
+        <p:cNvGrpSpPr/>
+        <p:nvPr/>
+      </p:nvGrpSpPr>
+      <p:grpSpPr>
+        <a:xfrm>
+          <a:off x="0" y="0"/>
+          <a:ext cx="0" cy="0"/>
+          <a:chOff x="0" y="0"/>
+          <a:chExt cx="0" cy="0"/>
+        </a:xfrm>
+      </p:grpSpPr>
+      <p:sp>
+        <p:nvSpPr>
+          <p:cNvPr id="2" name="Slide Image Placeholder 1">
+            <a:extLst>
+              <a:ext uri="{FF2B5EF4-FFF2-40B4-BE49-F238E27FC236}">
+                <a16:creationId xmlns:a16="http://schemas.microsoft.com/office/drawing/2014/main" id="{AB9147FD-3091-DCA7-1778-1FE81565F80A}"/>
+              </a:ext>
+            </a:extLst>
+          </p:cNvPr>
+          <p:cNvSpPr>
+            <a:spLocks noGrp="1" noRot="1" noChangeAspect="1"/>
+          </p:cNvSpPr>
+          <p:nvPr>
+            <p:ph type="sldImg"/>
+          </p:nvPr>
+        </p:nvSpPr>
+        <p:spPr/>
+      </p:sp>
+      <p:sp>
+        <p:nvSpPr>
+          <p:cNvPr id="3" name="Notes Placeholder 2">
+            <a:extLst>
+              <a:ext uri="{FF2B5EF4-FFF2-40B4-BE49-F238E27FC236}">
+                <a16:creationId xmlns:a16="http://schemas.microsoft.com/office/drawing/2014/main" id="{AC06FD45-2621-2DE7-2425-C253AAAA04BF}"/>
+              </a:ext>
+            </a:extLst>
+          </p:cNvPr>
+          <p:cNvSpPr>
+            <a:spLocks noGrp="1"/>
+          </p:cNvSpPr>
+          <p:nvPr>
+            <p:ph type="body" idx="1"/>
+          </p:nvPr>
+        </p:nvSpPr>
+        <p:spPr/>
+        <p:txBody>
+          <a:bodyPr/>
+          <a:lstStyle/>
+          <a:p>
+            <a:endParaRPr lang="en-US" b="0" dirty="0">
+              <a:solidFill>
+                <a:srgbClr val="CCCCCC"/>
+              </a:solidFill>
+              <a:effectLst/>
+              <a:latin typeface="Menlo" panose="020B0609030804020204" pitchFamily="49" charset="0"/>
+            </a:endParaRPr>
+          </a:p>
+        </p:txBody>
+      </p:sp>
+      <p:sp>
+        <p:nvSpPr>
+          <p:cNvPr id="4" name="Slide Number Placeholder 3">
+            <a:extLst>
+              <a:ext uri="{FF2B5EF4-FFF2-40B4-BE49-F238E27FC236}">
+                <a16:creationId xmlns:a16="http://schemas.microsoft.com/office/drawing/2014/main" id="{3E2226D1-514F-8C6E-2E6B-A91320CBA27A}"/>
+              </a:ext>
+            </a:extLst>
+          </p:cNvPr>
+          <p:cNvSpPr>
+            <a:spLocks noGrp="1"/>
+          </p:cNvSpPr>
+          <p:nvPr>
+            <p:ph type="sldNum" sz="quarter" idx="5"/>
+          </p:nvPr>
+        </p:nvSpPr>
+        <p:spPr/>
+        <p:txBody>
+          <a:bodyPr/>
+          <a:lstStyle/>
+          <a:p>
+            <a:fld id="{061BAA8C-FDC6-D345-B4E0-3B02449209FB}" type="slidenum">
+              <a:rPr lang="en-US" smtClean="0"/>
+              <a:t>10</a:t>
+            </a:fld>
+            <a:endParaRPr lang="en-US"/>
+          </a:p>
+        </p:txBody>
+      </p:sp>
+    </p:spTree>
+    <p:extLst>
+      <p:ext uri="{BB962C8B-B14F-4D97-AF65-F5344CB8AC3E}">
+        <p14:creationId xmlns:p14="http://schemas.microsoft.com/office/powerpoint/2010/main" val="3453700420"/>
+      </p:ext>
+    </p:extLst>
+  </p:cSld>
+  <p:clrMapOvr>
+    <a:masterClrMapping/>
+  </p:clrMapOvr>
+</p:notes>
+</file>
+
 <file path=ppt/notesSlides/notesSlide2.xml><?xml version="1.0" encoding="utf-8"?>
 <p:notes xmlns:a="http://schemas.openxmlformats.org/drawingml/2006/main" xmlns:r="http://schemas.openxmlformats.org/officeDocument/2006/relationships" xmlns:p="http://schemas.openxmlformats.org/presentationml/2006/main">
   <p:cSld>
@@ -689,7 +804,7 @@
         <p:cNvPr id="1" name="">
           <a:extLst>
             <a:ext uri="{FF2B5EF4-FFF2-40B4-BE49-F238E27FC236}">
-              <a16:creationId xmlns:a16="http://schemas.microsoft.com/office/drawing/2014/main" id="{803D7D7C-E88A-0935-76D3-738D7873E59A}"/>
+              <a16:creationId xmlns:a16="http://schemas.microsoft.com/office/drawing/2014/main" id="{45F42823-4286-DDF8-A154-CA6EB56B3365}"/>
             </a:ext>
           </a:extLst>
         </p:cNvPr>
@@ -709,7 +824,7 @@
           <p:cNvPr id="2" name="Slide Image Placeholder 1">
             <a:extLst>
               <a:ext uri="{FF2B5EF4-FFF2-40B4-BE49-F238E27FC236}">
-                <a16:creationId xmlns:a16="http://schemas.microsoft.com/office/drawing/2014/main" id="{AB9147FD-3091-DCA7-1778-1FE81565F80A}"/>
+                <a16:creationId xmlns:a16="http://schemas.microsoft.com/office/drawing/2014/main" id="{50A16198-1348-F65B-4C6B-3EA1F8603E25}"/>
               </a:ext>
             </a:extLst>
           </p:cNvPr>
@@ -727,7 +842,7 @@
           <p:cNvPr id="3" name="Notes Placeholder 2">
             <a:extLst>
               <a:ext uri="{FF2B5EF4-FFF2-40B4-BE49-F238E27FC236}">
-                <a16:creationId xmlns:a16="http://schemas.microsoft.com/office/drawing/2014/main" id="{AC06FD45-2621-2DE7-2425-C253AAAA04BF}"/>
+                <a16:creationId xmlns:a16="http://schemas.microsoft.com/office/drawing/2014/main" id="{1A9941BE-8594-FFD4-EE00-D0EB0E7D930B}"/>
               </a:ext>
             </a:extLst>
           </p:cNvPr>
@@ -758,7 +873,7 @@
           <p:cNvPr id="4" name="Slide Number Placeholder 3">
             <a:extLst>
               <a:ext uri="{FF2B5EF4-FFF2-40B4-BE49-F238E27FC236}">
-                <a16:creationId xmlns:a16="http://schemas.microsoft.com/office/drawing/2014/main" id="{3E2226D1-514F-8C6E-2E6B-A91320CBA27A}"/>
+                <a16:creationId xmlns:a16="http://schemas.microsoft.com/office/drawing/2014/main" id="{E130B67C-0A0B-A954-5FF3-8465AA5BA0DE}"/>
               </a:ext>
             </a:extLst>
           </p:cNvPr>
@@ -785,7 +900,7 @@
     </p:spTree>
     <p:extLst>
       <p:ext uri="{BB962C8B-B14F-4D97-AF65-F5344CB8AC3E}">
-        <p14:creationId xmlns:p14="http://schemas.microsoft.com/office/powerpoint/2010/main" val="2053538491"/>
+        <p14:creationId xmlns:p14="http://schemas.microsoft.com/office/powerpoint/2010/main" val="38313470"/>
       </p:ext>
     </p:extLst>
   </p:cSld>
@@ -4803,6 +4918,170 @@
 </p:sld>
 </file>
 
+<file path=ppt/slides/slide10.xml><?xml version="1.0" encoding="utf-8"?>
+<p:sld xmlns:a="http://schemas.openxmlformats.org/drawingml/2006/main" xmlns:r="http://schemas.openxmlformats.org/officeDocument/2006/relationships" xmlns:p="http://schemas.openxmlformats.org/presentationml/2006/main">
+  <p:cSld>
+    <p:spTree>
+      <p:nvGrpSpPr>
+        <p:cNvPr id="1" name="">
+          <a:extLst>
+            <a:ext uri="{FF2B5EF4-FFF2-40B4-BE49-F238E27FC236}">
+              <a16:creationId xmlns:a16="http://schemas.microsoft.com/office/drawing/2014/main" id="{0FD339EB-0FF2-463E-3C9C-89FF22968178}"/>
+            </a:ext>
+          </a:extLst>
+        </p:cNvPr>
+        <p:cNvGrpSpPr/>
+        <p:nvPr/>
+      </p:nvGrpSpPr>
+      <p:grpSpPr>
+        <a:xfrm>
+          <a:off x="0" y="0"/>
+          <a:ext cx="0" cy="0"/>
+          <a:chOff x="0" y="0"/>
+          <a:chExt cx="0" cy="0"/>
+        </a:xfrm>
+      </p:grpSpPr>
+      <p:sp>
+        <p:nvSpPr>
+          <p:cNvPr id="2" name="Title 1">
+            <a:extLst>
+              <a:ext uri="{FF2B5EF4-FFF2-40B4-BE49-F238E27FC236}">
+                <a16:creationId xmlns:a16="http://schemas.microsoft.com/office/drawing/2014/main" id="{DDF760BB-E1C2-7F34-3A9D-B8A3D3539C43}"/>
+              </a:ext>
+            </a:extLst>
+          </p:cNvPr>
+          <p:cNvSpPr>
+            <a:spLocks noGrp="1"/>
+          </p:cNvSpPr>
+          <p:nvPr>
+            <p:ph type="title"/>
+          </p:nvPr>
+        </p:nvSpPr>
+        <p:spPr>
+          <a:xfrm>
+            <a:off x="838200" y="593725"/>
+            <a:ext cx="10394481" cy="1325563"/>
+          </a:xfrm>
+        </p:spPr>
+        <p:txBody>
+          <a:bodyPr>
+            <a:normAutofit/>
+          </a:bodyPr>
+          <a:lstStyle/>
+          <a:p>
+            <a:r>
+              <a:rPr lang="en-US" dirty="0"/>
+              <a:t>SCM of </a:t>
+            </a:r>
+            <a:r>
+              <a:rPr lang="en-US" dirty="0" err="1"/>
+              <a:t>Tconv</a:t>
+            </a:r>
+            <a:r>
+              <a:rPr lang="en-US" dirty="0"/>
+              <a:t> </a:t>
+            </a:r>
+            <a:r>
+              <a:rPr lang="en-US" dirty="0" err="1"/>
+              <a:t>Tcells</a:t>
+            </a:r>
+            <a:r>
+              <a:rPr lang="en-US" dirty="0"/>
+              <a:t> frequency perhaps higher in non-</a:t>
+            </a:r>
+            <a:r>
+              <a:rPr lang="en-US" dirty="0" err="1"/>
+              <a:t>irAE</a:t>
+            </a:r>
+            <a:r>
+              <a:rPr lang="en-US" dirty="0"/>
+              <a:t> group at baseline</a:t>
+            </a:r>
+          </a:p>
+        </p:txBody>
+      </p:sp>
+      <p:pic>
+        <p:nvPicPr>
+          <p:cNvPr id="8" name="Picture 7">
+            <a:extLst>
+              <a:ext uri="{FF2B5EF4-FFF2-40B4-BE49-F238E27FC236}">
+                <a16:creationId xmlns:a16="http://schemas.microsoft.com/office/drawing/2014/main" id="{8DCAE07F-5920-65CE-1A29-7D4AFD39229B}"/>
+              </a:ext>
+            </a:extLst>
+          </p:cNvPr>
+          <p:cNvPicPr>
+            <a:picLocks noChangeAspect="1"/>
+          </p:cNvPicPr>
+          <p:nvPr/>
+        </p:nvPicPr>
+        <p:blipFill>
+          <a:blip r:embed="rId3"/>
+          <a:stretch>
+            <a:fillRect/>
+          </a:stretch>
+        </p:blipFill>
+        <p:spPr>
+          <a:xfrm>
+            <a:off x="3278092" y="2107846"/>
+            <a:ext cx="5635815" cy="3583619"/>
+          </a:xfrm>
+          <a:prstGeom prst="rect">
+            <a:avLst/>
+          </a:prstGeom>
+        </p:spPr>
+      </p:pic>
+      <p:sp>
+        <p:nvSpPr>
+          <p:cNvPr id="12" name="TextBox 11">
+            <a:extLst>
+              <a:ext uri="{FF2B5EF4-FFF2-40B4-BE49-F238E27FC236}">
+                <a16:creationId xmlns:a16="http://schemas.microsoft.com/office/drawing/2014/main" id="{4C189E71-0B6E-498D-B1A8-DF1781811B8E}"/>
+              </a:ext>
+            </a:extLst>
+          </p:cNvPr>
+          <p:cNvSpPr txBox="1"/>
+          <p:nvPr/>
+        </p:nvSpPr>
+        <p:spPr>
+          <a:xfrm>
+            <a:off x="5234924" y="5894943"/>
+            <a:ext cx="1340432" cy="369332"/>
+          </a:xfrm>
+          <a:prstGeom prst="rect">
+            <a:avLst/>
+          </a:prstGeom>
+          <a:noFill/>
+        </p:spPr>
+        <p:txBody>
+          <a:bodyPr wrap="none" rtlCol="0">
+            <a:spAutoFit/>
+          </a:bodyPr>
+          <a:lstStyle/>
+          <a:p>
+            <a:r>
+              <a:rPr lang="en-US" dirty="0" err="1"/>
+              <a:t>padj</a:t>
+            </a:r>
+            <a:r>
+              <a:rPr lang="en-US" dirty="0"/>
+              <a:t> = 0.065</a:t>
+            </a:r>
+          </a:p>
+        </p:txBody>
+      </p:sp>
+    </p:spTree>
+    <p:extLst>
+      <p:ext uri="{BB962C8B-B14F-4D97-AF65-F5344CB8AC3E}">
+        <p14:creationId xmlns:p14="http://schemas.microsoft.com/office/powerpoint/2010/main" val="1265882007"/>
+      </p:ext>
+    </p:extLst>
+  </p:cSld>
+  <p:clrMapOvr>
+    <a:masterClrMapping/>
+  </p:clrMapOvr>
+</p:sld>
+</file>
+
 <file path=ppt/slides/slide2.xml><?xml version="1.0" encoding="utf-8"?>
 <p:sld xmlns:a="http://schemas.openxmlformats.org/drawingml/2006/main" xmlns:r="http://schemas.openxmlformats.org/officeDocument/2006/relationships" xmlns:p="http://schemas.openxmlformats.org/presentationml/2006/main">
   <p:cSld>
@@ -4912,7 +5191,7 @@
         <p:cNvPr id="1" name="">
           <a:extLst>
             <a:ext uri="{FF2B5EF4-FFF2-40B4-BE49-F238E27FC236}">
-              <a16:creationId xmlns:a16="http://schemas.microsoft.com/office/drawing/2014/main" id="{0FD339EB-0FF2-463E-3C9C-89FF22968178}"/>
+              <a16:creationId xmlns:a16="http://schemas.microsoft.com/office/drawing/2014/main" id="{EC340A2E-BB94-EF63-81B1-0EFF3B5F4EA1}"/>
             </a:ext>
           </a:extLst>
         </p:cNvPr>
@@ -4932,7 +5211,7 @@
           <p:cNvPr id="2" name="Title 1">
             <a:extLst>
               <a:ext uri="{FF2B5EF4-FFF2-40B4-BE49-F238E27FC236}">
-                <a16:creationId xmlns:a16="http://schemas.microsoft.com/office/drawing/2014/main" id="{DDF760BB-E1C2-7F34-3A9D-B8A3D3539C43}"/>
+                <a16:creationId xmlns:a16="http://schemas.microsoft.com/office/drawing/2014/main" id="{AAB50F4F-CD9B-9197-270D-C83178331699}"/>
               </a:ext>
             </a:extLst>
           </p:cNvPr>
@@ -4951,55 +5230,106 @@
         </p:spPr>
         <p:txBody>
           <a:bodyPr>
-            <a:normAutofit fontScale="90000"/>
+            <a:normAutofit/>
           </a:bodyPr>
           <a:lstStyle/>
           <a:p>
             <a:r>
               <a:rPr lang="en-US" dirty="0"/>
-              <a:t>SCM of </a:t>
+              <a:t>Using module of baseline feature frequencies, can differentiate between those who develop </a:t>
             </a:r>
             <a:r>
               <a:rPr lang="en-US" dirty="0" err="1"/>
-              <a:t>Tconv</a:t>
-            </a:r>
+              <a:t>irAEs</a:t>
+            </a:r>
+            <a:endParaRPr lang="en-US" dirty="0"/>
+          </a:p>
+        </p:txBody>
+      </p:sp>
+      <p:sp>
+        <p:nvSpPr>
+          <p:cNvPr id="4" name="TextBox 3">
+            <a:extLst>
+              <a:ext uri="{FF2B5EF4-FFF2-40B4-BE49-F238E27FC236}">
+                <a16:creationId xmlns:a16="http://schemas.microsoft.com/office/drawing/2014/main" id="{698F1097-B54D-C119-51AA-A345B214B01E}"/>
+              </a:ext>
+            </a:extLst>
+          </p:cNvPr>
+          <p:cNvSpPr txBox="1"/>
+          <p:nvPr/>
+        </p:nvSpPr>
+        <p:spPr>
+          <a:xfrm>
+            <a:off x="2438400" y="6374448"/>
+            <a:ext cx="1622817" cy="369332"/>
+          </a:xfrm>
+          <a:prstGeom prst="rect">
+            <a:avLst/>
+          </a:prstGeom>
+          <a:noFill/>
+        </p:spPr>
+        <p:txBody>
+          <a:bodyPr wrap="none" rtlCol="0">
+            <a:spAutoFit/>
+          </a:bodyPr>
+          <a:lstStyle/>
+          <a:p>
             <a:r>
               <a:rPr lang="en-US" dirty="0"/>
-              <a:t> </a:t>
+              <a:t>PC1 </a:t>
             </a:r>
             <a:r>
               <a:rPr lang="en-US" dirty="0" err="1"/>
-              <a:t>Tcells</a:t>
+              <a:t>pval</a:t>
             </a:r>
             <a:r>
               <a:rPr lang="en-US" dirty="0"/>
-              <a:t> frequency perhaps higher in non-</a:t>
-            </a:r>
-            <a:r>
-              <a:rPr lang="en-US" dirty="0" err="1"/>
-              <a:t>irAE</a:t>
-            </a:r>
+              <a:t>: 0.013</a:t>
+            </a:r>
+          </a:p>
+        </p:txBody>
+      </p:sp>
+      <p:sp>
+        <p:nvSpPr>
+          <p:cNvPr id="6" name="TextBox 5">
+            <a:extLst>
+              <a:ext uri="{FF2B5EF4-FFF2-40B4-BE49-F238E27FC236}">
+                <a16:creationId xmlns:a16="http://schemas.microsoft.com/office/drawing/2014/main" id="{CAC833DD-E49A-0B64-FE20-B84C7792E52F}"/>
+              </a:ext>
+            </a:extLst>
+          </p:cNvPr>
+          <p:cNvSpPr txBox="1"/>
+          <p:nvPr/>
+        </p:nvSpPr>
+        <p:spPr>
+          <a:xfrm>
+            <a:off x="6569181" y="6374448"/>
+            <a:ext cx="1850956" cy="369332"/>
+          </a:xfrm>
+          <a:prstGeom prst="rect">
+            <a:avLst/>
+          </a:prstGeom>
+          <a:noFill/>
+        </p:spPr>
+        <p:txBody>
+          <a:bodyPr wrap="none" rtlCol="0">
+            <a:spAutoFit/>
+          </a:bodyPr>
+          <a:lstStyle/>
+          <a:p>
             <a:r>
               <a:rPr lang="en-US" dirty="0"/>
-              <a:t> group at baseline but does anti-correlate with baseline </a:t>
-            </a:r>
-            <a:r>
-              <a:rPr lang="en-US" dirty="0" err="1"/>
-              <a:t>irAE</a:t>
-            </a:r>
-            <a:r>
-              <a:rPr lang="en-US" dirty="0"/>
-              <a:t> severity</a:t>
+              <a:t>PC1 contributions</a:t>
             </a:r>
           </a:p>
         </p:txBody>
       </p:sp>
       <p:pic>
         <p:nvPicPr>
-          <p:cNvPr id="8" name="Picture 7">
-            <a:extLst>
-              <a:ext uri="{FF2B5EF4-FFF2-40B4-BE49-F238E27FC236}">
-                <a16:creationId xmlns:a16="http://schemas.microsoft.com/office/drawing/2014/main" id="{8DCAE07F-5920-65CE-1A29-7D4AFD39229B}"/>
+          <p:cNvPr id="7" name="Picture 6">
+            <a:extLst>
+              <a:ext uri="{FF2B5EF4-FFF2-40B4-BE49-F238E27FC236}">
+                <a16:creationId xmlns:a16="http://schemas.microsoft.com/office/drawing/2014/main" id="{2FC3EF94-9055-A4B9-8ACD-BF76FFCE19CE}"/>
               </a:ext>
             </a:extLst>
           </p:cNvPr>
@@ -5016,8 +5346,8 @@
         </p:blipFill>
         <p:spPr>
           <a:xfrm>
-            <a:off x="76200" y="2307433"/>
-            <a:ext cx="5635815" cy="3583619"/>
+            <a:off x="1235170" y="1736092"/>
+            <a:ext cx="4029275" cy="4528183"/>
           </a:xfrm>
           <a:prstGeom prst="rect">
             <a:avLst/>
@@ -5026,10 +5356,10 @@
       </p:pic>
       <p:pic>
         <p:nvPicPr>
-          <p:cNvPr id="10" name="Picture 9">
-            <a:extLst>
-              <a:ext uri="{FF2B5EF4-FFF2-40B4-BE49-F238E27FC236}">
-                <a16:creationId xmlns:a16="http://schemas.microsoft.com/office/drawing/2014/main" id="{AEF2C8DF-0B30-7807-60B1-920011A58006}"/>
+          <p:cNvPr id="8" name="Picture 7">
+            <a:extLst>
+              <a:ext uri="{FF2B5EF4-FFF2-40B4-BE49-F238E27FC236}">
+                <a16:creationId xmlns:a16="http://schemas.microsoft.com/office/drawing/2014/main" id="{2E91B83C-D834-E278-BA33-71FB1F4DA084}"/>
               </a:ext>
             </a:extLst>
           </p:cNvPr>
@@ -5046,96 +5376,18 @@
         </p:blipFill>
         <p:spPr>
           <a:xfrm>
-            <a:off x="5869300" y="2348862"/>
-            <a:ext cx="5718179" cy="3500760"/>
+            <a:off x="5375108" y="1777683"/>
+            <a:ext cx="3848100" cy="4445000"/>
           </a:xfrm>
           <a:prstGeom prst="rect">
             <a:avLst/>
           </a:prstGeom>
         </p:spPr>
       </p:pic>
-      <p:sp>
-        <p:nvSpPr>
-          <p:cNvPr id="11" name="TextBox 10">
-            <a:extLst>
-              <a:ext uri="{FF2B5EF4-FFF2-40B4-BE49-F238E27FC236}">
-                <a16:creationId xmlns:a16="http://schemas.microsoft.com/office/drawing/2014/main" id="{3B81977B-53F8-2545-066A-FAB709E60EC3}"/>
-              </a:ext>
-            </a:extLst>
-          </p:cNvPr>
-          <p:cNvSpPr txBox="1"/>
-          <p:nvPr/>
-        </p:nvSpPr>
-        <p:spPr>
-          <a:xfrm>
-            <a:off x="8148320" y="6094530"/>
-            <a:ext cx="1340432" cy="369332"/>
-          </a:xfrm>
-          <a:prstGeom prst="rect">
-            <a:avLst/>
-          </a:prstGeom>
-          <a:noFill/>
-        </p:spPr>
-        <p:txBody>
-          <a:bodyPr wrap="none" rtlCol="0">
-            <a:spAutoFit/>
-          </a:bodyPr>
-          <a:lstStyle/>
-          <a:p>
-            <a:r>
-              <a:rPr lang="en-US" dirty="0" err="1"/>
-              <a:t>padj</a:t>
-            </a:r>
-            <a:r>
-              <a:rPr lang="en-US" dirty="0"/>
-              <a:t> = 0.015</a:t>
-            </a:r>
-          </a:p>
-        </p:txBody>
-      </p:sp>
-      <p:sp>
-        <p:nvSpPr>
-          <p:cNvPr id="12" name="TextBox 11">
-            <a:extLst>
-              <a:ext uri="{FF2B5EF4-FFF2-40B4-BE49-F238E27FC236}">
-                <a16:creationId xmlns:a16="http://schemas.microsoft.com/office/drawing/2014/main" id="{4C189E71-0B6E-498D-B1A8-DF1781811B8E}"/>
-              </a:ext>
-            </a:extLst>
-          </p:cNvPr>
-          <p:cNvSpPr txBox="1"/>
-          <p:nvPr/>
-        </p:nvSpPr>
-        <p:spPr>
-          <a:xfrm>
-            <a:off x="2033032" y="6094530"/>
-            <a:ext cx="1340432" cy="369332"/>
-          </a:xfrm>
-          <a:prstGeom prst="rect">
-            <a:avLst/>
-          </a:prstGeom>
-          <a:noFill/>
-        </p:spPr>
-        <p:txBody>
-          <a:bodyPr wrap="none" rtlCol="0">
-            <a:spAutoFit/>
-          </a:bodyPr>
-          <a:lstStyle/>
-          <a:p>
-            <a:r>
-              <a:rPr lang="en-US" dirty="0" err="1"/>
-              <a:t>padj</a:t>
-            </a:r>
-            <a:r>
-              <a:rPr lang="en-US" dirty="0"/>
-              <a:t> = 0.065</a:t>
-            </a:r>
-          </a:p>
-        </p:txBody>
-      </p:sp>
     </p:spTree>
     <p:extLst>
       <p:ext uri="{BB962C8B-B14F-4D97-AF65-F5344CB8AC3E}">
-        <p14:creationId xmlns:p14="http://schemas.microsoft.com/office/powerpoint/2010/main" val="603720382"/>
+        <p14:creationId xmlns:p14="http://schemas.microsoft.com/office/powerpoint/2010/main" val="1502469158"/>
       </p:ext>
     </p:extLst>
   </p:cSld>
